--- a/Loops/Loops.pptx
+++ b/Loops/Loops.pptx
@@ -1848,28 +1848,6 @@
           </a:p>
         </p:txBody>
       </p:sp>
-      <p:pic>
-        <p:nvPicPr>
-          <p:cNvPr id="10" name="object 10"/>
-          <p:cNvPicPr/>
-          <p:nvPr/>
-        </p:nvPicPr>
-        <p:blipFill>
-          <a:blip r:embed="rId2" cstate="print"/>
-          <a:stretch>
-            <a:fillRect/>
-          </a:stretch>
-        </p:blipFill>
-        <p:spPr>
-          <a:xfrm>
-            <a:off x="9155460" y="5523721"/>
-            <a:ext cx="1996710" cy="1031131"/>
-          </a:xfrm>
-          <a:prstGeom prst="rect">
-            <a:avLst/>
-          </a:prstGeom>
-        </p:spPr>
-      </p:pic>
       <p:sp>
         <p:nvSpPr>
           <p:cNvPr id="11" name="object 11"/>
@@ -1926,6 +1904,30 @@
           </a:p>
         </p:txBody>
       </p:sp>
+      <p:pic>
+        <p:nvPicPr>
+          <p:cNvPr id="8" name="Picture 7"/>
+          <p:cNvPicPr>
+            <a:picLocks noChangeAspect="1"/>
+          </p:cNvPicPr>
+          <p:nvPr/>
+        </p:nvPicPr>
+        <p:blipFill>
+          <a:blip r:embed="rId2"/>
+          <a:stretch>
+            <a:fillRect/>
+          </a:stretch>
+        </p:blipFill>
+        <p:spPr>
+          <a:xfrm>
+            <a:off x="8763000" y="5105400"/>
+            <a:ext cx="2796137" cy="1474143"/>
+          </a:xfrm>
+          <a:prstGeom prst="rect">
+            <a:avLst/>
+          </a:prstGeom>
+        </p:spPr>
+      </p:pic>
     </p:spTree>
   </p:cSld>
   <p:clrMapOvr>
@@ -2006,9 +2008,9 @@
         <p:grpSpPr>
           <a:xfrm>
             <a:off x="0" y="6330644"/>
-            <a:ext cx="12192000" cy="527685"/>
+            <a:ext cx="12192000" cy="527481"/>
             <a:chOff x="0" y="6330644"/>
-            <a:chExt cx="12192000" cy="527685"/>
+            <a:chExt cx="12192000" cy="527481"/>
           </a:xfrm>
         </p:grpSpPr>
         <p:pic>
@@ -2083,106 +2085,6 @@
             </a:p>
           </p:txBody>
         </p:sp>
-        <p:sp>
-          <p:nvSpPr>
-            <p:cNvPr id="6" name="object 6"/>
-            <p:cNvSpPr/>
-            <p:nvPr/>
-          </p:nvSpPr>
-          <p:spPr>
-            <a:xfrm>
-              <a:off x="176784" y="6505955"/>
-              <a:ext cx="85725" cy="311150"/>
-            </a:xfrm>
-            <a:custGeom>
-              <a:avLst/>
-              <a:gdLst/>
-              <a:ahLst/>
-              <a:cxnLst/>
-              <a:rect l="l" t="t" r="r" b="b"/>
-              <a:pathLst>
-                <a:path w="85725" h="311150">
-                  <a:moveTo>
-                    <a:pt x="84035" y="0"/>
-                  </a:moveTo>
-                  <a:lnTo>
-                    <a:pt x="0" y="94322"/>
-                  </a:lnTo>
-                  <a:lnTo>
-                    <a:pt x="0" y="310894"/>
-                  </a:lnTo>
-                  <a:lnTo>
-                    <a:pt x="85344" y="211340"/>
-                  </a:lnTo>
-                  <a:lnTo>
-                    <a:pt x="84035" y="0"/>
-                  </a:lnTo>
-                  <a:close/>
-                </a:path>
-              </a:pathLst>
-            </a:custGeom>
-            <a:solidFill>
-              <a:srgbClr val="FFFFFF"/>
-            </a:solidFill>
-          </p:spPr>
-          <p:txBody>
-            <a:bodyPr wrap="square" lIns="0" tIns="0" rIns="0" bIns="0" rtlCol="0"/>
-            <a:lstStyle/>
-            <a:p>
-              <a:endParaRPr/>
-            </a:p>
-          </p:txBody>
-        </p:sp>
-        <p:sp>
-          <p:nvSpPr>
-            <p:cNvPr id="7" name="object 7"/>
-            <p:cNvSpPr/>
-            <p:nvPr/>
-          </p:nvSpPr>
-          <p:spPr>
-            <a:xfrm>
-              <a:off x="271272" y="6403847"/>
-              <a:ext cx="85725" cy="311150"/>
-            </a:xfrm>
-            <a:custGeom>
-              <a:avLst/>
-              <a:gdLst/>
-              <a:ahLst/>
-              <a:cxnLst/>
-              <a:rect l="l" t="t" r="r" b="b"/>
-              <a:pathLst>
-                <a:path w="85725" h="311150">
-                  <a:moveTo>
-                    <a:pt x="84035" y="0"/>
-                  </a:moveTo>
-                  <a:lnTo>
-                    <a:pt x="0" y="94322"/>
-                  </a:lnTo>
-                  <a:lnTo>
-                    <a:pt x="0" y="310895"/>
-                  </a:lnTo>
-                  <a:lnTo>
-                    <a:pt x="85343" y="211340"/>
-                  </a:lnTo>
-                  <a:lnTo>
-                    <a:pt x="84035" y="0"/>
-                  </a:lnTo>
-                  <a:close/>
-                </a:path>
-              </a:pathLst>
-            </a:custGeom>
-            <a:solidFill>
-              <a:srgbClr val="D9D9D9"/>
-            </a:solidFill>
-          </p:spPr>
-          <p:txBody>
-            <a:bodyPr wrap="square" lIns="0" tIns="0" rIns="0" bIns="0" rtlCol="0"/>
-            <a:lstStyle/>
-            <a:p>
-              <a:endParaRPr/>
-            </a:p>
-          </p:txBody>
-        </p:sp>
       </p:grpSp>
       <p:sp>
         <p:nvSpPr>
@@ -2222,42 +2124,6 @@
               <a:t>Dəyişənlər</a:t>
             </a:r>
             <a:endParaRPr sz="2400" dirty="0"/>
-          </a:p>
-        </p:txBody>
-      </p:sp>
-      <p:sp>
-        <p:nvSpPr>
-          <p:cNvPr id="19" name="object 19"/>
-          <p:cNvSpPr txBox="1">
-            <a:spLocks noGrp="1"/>
-          </p:cNvSpPr>
-          <p:nvPr>
-            <p:ph type="ftr" sz="quarter" idx="5"/>
-          </p:nvPr>
-        </p:nvSpPr>
-        <p:spPr>
-          <a:prstGeom prst="rect">
-            <a:avLst/>
-          </a:prstGeom>
-        </p:spPr>
-        <p:txBody>
-          <a:bodyPr vert="horz" wrap="square" lIns="0" tIns="33655" rIns="0" bIns="0" rtlCol="0">
-            <a:spAutoFit/>
-          </a:bodyPr>
-          <a:lstStyle/>
-          <a:p>
-            <a:pPr marL="12700">
-              <a:lnSpc>
-                <a:spcPct val="100000"/>
-              </a:lnSpc>
-              <a:spcBef>
-                <a:spcPts val="265"/>
-              </a:spcBef>
-            </a:pPr>
-            <a:r>
-              <a:rPr spc="-10" dirty="0"/>
-              <a:t>ITVDN</a:t>
-            </a:r>
           </a:p>
         </p:txBody>
       </p:sp>
@@ -2797,6 +2663,30 @@
           </a:p>
         </p:txBody>
       </p:sp>
+      <p:pic>
+        <p:nvPicPr>
+          <p:cNvPr id="18" name="Picture 17"/>
+          <p:cNvPicPr>
+            <a:picLocks noChangeAspect="1"/>
+          </p:cNvPicPr>
+          <p:nvPr/>
+        </p:nvPicPr>
+        <p:blipFill>
+          <a:blip r:embed="rId5"/>
+          <a:stretch>
+            <a:fillRect/>
+          </a:stretch>
+        </p:blipFill>
+        <p:spPr>
+          <a:xfrm>
+            <a:off x="76200" y="6400859"/>
+            <a:ext cx="817068" cy="430764"/>
+          </a:xfrm>
+          <a:prstGeom prst="rect">
+            <a:avLst/>
+          </a:prstGeom>
+        </p:spPr>
+      </p:pic>
     </p:spTree>
     <p:extLst>
       <p:ext uri="{BB962C8B-B14F-4D97-AF65-F5344CB8AC3E}">
@@ -2882,9 +2772,9 @@
         <p:grpSpPr>
           <a:xfrm>
             <a:off x="0" y="6330644"/>
-            <a:ext cx="12192000" cy="527685"/>
+            <a:ext cx="12192000" cy="527481"/>
             <a:chOff x="0" y="6330644"/>
-            <a:chExt cx="12192000" cy="527685"/>
+            <a:chExt cx="12192000" cy="527481"/>
           </a:xfrm>
         </p:grpSpPr>
         <p:pic>
@@ -2959,106 +2849,6 @@
             </a:p>
           </p:txBody>
         </p:sp>
-        <p:sp>
-          <p:nvSpPr>
-            <p:cNvPr id="6" name="object 6"/>
-            <p:cNvSpPr/>
-            <p:nvPr/>
-          </p:nvSpPr>
-          <p:spPr>
-            <a:xfrm>
-              <a:off x="176784" y="6505955"/>
-              <a:ext cx="85725" cy="311150"/>
-            </a:xfrm>
-            <a:custGeom>
-              <a:avLst/>
-              <a:gdLst/>
-              <a:ahLst/>
-              <a:cxnLst/>
-              <a:rect l="l" t="t" r="r" b="b"/>
-              <a:pathLst>
-                <a:path w="85725" h="311150">
-                  <a:moveTo>
-                    <a:pt x="84035" y="0"/>
-                  </a:moveTo>
-                  <a:lnTo>
-                    <a:pt x="0" y="94322"/>
-                  </a:lnTo>
-                  <a:lnTo>
-                    <a:pt x="0" y="310894"/>
-                  </a:lnTo>
-                  <a:lnTo>
-                    <a:pt x="85344" y="211340"/>
-                  </a:lnTo>
-                  <a:lnTo>
-                    <a:pt x="84035" y="0"/>
-                  </a:lnTo>
-                  <a:close/>
-                </a:path>
-              </a:pathLst>
-            </a:custGeom>
-            <a:solidFill>
-              <a:srgbClr val="FFFFFF"/>
-            </a:solidFill>
-          </p:spPr>
-          <p:txBody>
-            <a:bodyPr wrap="square" lIns="0" tIns="0" rIns="0" bIns="0" rtlCol="0"/>
-            <a:lstStyle/>
-            <a:p>
-              <a:endParaRPr/>
-            </a:p>
-          </p:txBody>
-        </p:sp>
-        <p:sp>
-          <p:nvSpPr>
-            <p:cNvPr id="7" name="object 7"/>
-            <p:cNvSpPr/>
-            <p:nvPr/>
-          </p:nvSpPr>
-          <p:spPr>
-            <a:xfrm>
-              <a:off x="271272" y="6403847"/>
-              <a:ext cx="85725" cy="311150"/>
-            </a:xfrm>
-            <a:custGeom>
-              <a:avLst/>
-              <a:gdLst/>
-              <a:ahLst/>
-              <a:cxnLst/>
-              <a:rect l="l" t="t" r="r" b="b"/>
-              <a:pathLst>
-                <a:path w="85725" h="311150">
-                  <a:moveTo>
-                    <a:pt x="84035" y="0"/>
-                  </a:moveTo>
-                  <a:lnTo>
-                    <a:pt x="0" y="94322"/>
-                  </a:lnTo>
-                  <a:lnTo>
-                    <a:pt x="0" y="310895"/>
-                  </a:lnTo>
-                  <a:lnTo>
-                    <a:pt x="85343" y="211340"/>
-                  </a:lnTo>
-                  <a:lnTo>
-                    <a:pt x="84035" y="0"/>
-                  </a:lnTo>
-                  <a:close/>
-                </a:path>
-              </a:pathLst>
-            </a:custGeom>
-            <a:solidFill>
-              <a:srgbClr val="D9D9D9"/>
-            </a:solidFill>
-          </p:spPr>
-          <p:txBody>
-            <a:bodyPr wrap="square" lIns="0" tIns="0" rIns="0" bIns="0" rtlCol="0"/>
-            <a:lstStyle/>
-            <a:p>
-              <a:endParaRPr/>
-            </a:p>
-          </p:txBody>
-        </p:sp>
       </p:grpSp>
       <p:sp>
         <p:nvSpPr>
@@ -3098,42 +2888,6 @@
               <a:t>Dəyişənlər</a:t>
             </a:r>
             <a:endParaRPr sz="2400" dirty="0"/>
-          </a:p>
-        </p:txBody>
-      </p:sp>
-      <p:sp>
-        <p:nvSpPr>
-          <p:cNvPr id="19" name="object 19"/>
-          <p:cNvSpPr txBox="1">
-            <a:spLocks noGrp="1"/>
-          </p:cNvSpPr>
-          <p:nvPr>
-            <p:ph type="ftr" sz="quarter" idx="5"/>
-          </p:nvPr>
-        </p:nvSpPr>
-        <p:spPr>
-          <a:prstGeom prst="rect">
-            <a:avLst/>
-          </a:prstGeom>
-        </p:spPr>
-        <p:txBody>
-          <a:bodyPr vert="horz" wrap="square" lIns="0" tIns="33655" rIns="0" bIns="0" rtlCol="0">
-            <a:spAutoFit/>
-          </a:bodyPr>
-          <a:lstStyle/>
-          <a:p>
-            <a:pPr marL="12700">
-              <a:lnSpc>
-                <a:spcPct val="100000"/>
-              </a:lnSpc>
-              <a:spcBef>
-                <a:spcPts val="265"/>
-              </a:spcBef>
-            </a:pPr>
-            <a:r>
-              <a:rPr spc="-10" dirty="0"/>
-              <a:t>ITVDN</a:t>
-            </a:r>
           </a:p>
         </p:txBody>
       </p:sp>
@@ -3884,6 +3638,30 @@
           </a:p>
         </p:txBody>
       </p:sp>
+      <p:pic>
+        <p:nvPicPr>
+          <p:cNvPr id="18" name="Picture 17"/>
+          <p:cNvPicPr>
+            <a:picLocks noChangeAspect="1"/>
+          </p:cNvPicPr>
+          <p:nvPr/>
+        </p:nvPicPr>
+        <p:blipFill>
+          <a:blip r:embed="rId5"/>
+          <a:stretch>
+            <a:fillRect/>
+          </a:stretch>
+        </p:blipFill>
+        <p:spPr>
+          <a:xfrm>
+            <a:off x="76200" y="6400859"/>
+            <a:ext cx="817068" cy="430764"/>
+          </a:xfrm>
+          <a:prstGeom prst="rect">
+            <a:avLst/>
+          </a:prstGeom>
+        </p:spPr>
+      </p:pic>
     </p:spTree>
     <p:extLst>
       <p:ext uri="{BB962C8B-B14F-4D97-AF65-F5344CB8AC3E}">
@@ -3969,9 +3747,9 @@
         <p:grpSpPr>
           <a:xfrm>
             <a:off x="0" y="6330644"/>
-            <a:ext cx="12192000" cy="527685"/>
+            <a:ext cx="12192000" cy="527481"/>
             <a:chOff x="0" y="6330644"/>
-            <a:chExt cx="12192000" cy="527685"/>
+            <a:chExt cx="12192000" cy="527481"/>
           </a:xfrm>
         </p:grpSpPr>
         <p:pic>
@@ -4046,106 +3824,6 @@
             </a:p>
           </p:txBody>
         </p:sp>
-        <p:sp>
-          <p:nvSpPr>
-            <p:cNvPr id="6" name="object 6"/>
-            <p:cNvSpPr/>
-            <p:nvPr/>
-          </p:nvSpPr>
-          <p:spPr>
-            <a:xfrm>
-              <a:off x="176784" y="6505955"/>
-              <a:ext cx="85725" cy="311150"/>
-            </a:xfrm>
-            <a:custGeom>
-              <a:avLst/>
-              <a:gdLst/>
-              <a:ahLst/>
-              <a:cxnLst/>
-              <a:rect l="l" t="t" r="r" b="b"/>
-              <a:pathLst>
-                <a:path w="85725" h="311150">
-                  <a:moveTo>
-                    <a:pt x="84035" y="0"/>
-                  </a:moveTo>
-                  <a:lnTo>
-                    <a:pt x="0" y="94322"/>
-                  </a:lnTo>
-                  <a:lnTo>
-                    <a:pt x="0" y="310894"/>
-                  </a:lnTo>
-                  <a:lnTo>
-                    <a:pt x="85344" y="211340"/>
-                  </a:lnTo>
-                  <a:lnTo>
-                    <a:pt x="84035" y="0"/>
-                  </a:lnTo>
-                  <a:close/>
-                </a:path>
-              </a:pathLst>
-            </a:custGeom>
-            <a:solidFill>
-              <a:srgbClr val="FFFFFF"/>
-            </a:solidFill>
-          </p:spPr>
-          <p:txBody>
-            <a:bodyPr wrap="square" lIns="0" tIns="0" rIns="0" bIns="0" rtlCol="0"/>
-            <a:lstStyle/>
-            <a:p>
-              <a:endParaRPr/>
-            </a:p>
-          </p:txBody>
-        </p:sp>
-        <p:sp>
-          <p:nvSpPr>
-            <p:cNvPr id="7" name="object 7"/>
-            <p:cNvSpPr/>
-            <p:nvPr/>
-          </p:nvSpPr>
-          <p:spPr>
-            <a:xfrm>
-              <a:off x="271272" y="6403847"/>
-              <a:ext cx="85725" cy="311150"/>
-            </a:xfrm>
-            <a:custGeom>
-              <a:avLst/>
-              <a:gdLst/>
-              <a:ahLst/>
-              <a:cxnLst/>
-              <a:rect l="l" t="t" r="r" b="b"/>
-              <a:pathLst>
-                <a:path w="85725" h="311150">
-                  <a:moveTo>
-                    <a:pt x="84035" y="0"/>
-                  </a:moveTo>
-                  <a:lnTo>
-                    <a:pt x="0" y="94322"/>
-                  </a:lnTo>
-                  <a:lnTo>
-                    <a:pt x="0" y="310895"/>
-                  </a:lnTo>
-                  <a:lnTo>
-                    <a:pt x="85343" y="211340"/>
-                  </a:lnTo>
-                  <a:lnTo>
-                    <a:pt x="84035" y="0"/>
-                  </a:lnTo>
-                  <a:close/>
-                </a:path>
-              </a:pathLst>
-            </a:custGeom>
-            <a:solidFill>
-              <a:srgbClr val="D9D9D9"/>
-            </a:solidFill>
-          </p:spPr>
-          <p:txBody>
-            <a:bodyPr wrap="square" lIns="0" tIns="0" rIns="0" bIns="0" rtlCol="0"/>
-            <a:lstStyle/>
-            <a:p>
-              <a:endParaRPr/>
-            </a:p>
-          </p:txBody>
-        </p:sp>
       </p:grpSp>
       <p:sp>
         <p:nvSpPr>
@@ -4185,42 +3863,6 @@
               <a:t>Dəyişənlər</a:t>
             </a:r>
             <a:endParaRPr sz="2400" dirty="0"/>
-          </a:p>
-        </p:txBody>
-      </p:sp>
-      <p:sp>
-        <p:nvSpPr>
-          <p:cNvPr id="19" name="object 19"/>
-          <p:cNvSpPr txBox="1">
-            <a:spLocks noGrp="1"/>
-          </p:cNvSpPr>
-          <p:nvPr>
-            <p:ph type="ftr" sz="quarter" idx="5"/>
-          </p:nvPr>
-        </p:nvSpPr>
-        <p:spPr>
-          <a:prstGeom prst="rect">
-            <a:avLst/>
-          </a:prstGeom>
-        </p:spPr>
-        <p:txBody>
-          <a:bodyPr vert="horz" wrap="square" lIns="0" tIns="33655" rIns="0" bIns="0" rtlCol="0">
-            <a:spAutoFit/>
-          </a:bodyPr>
-          <a:lstStyle/>
-          <a:p>
-            <a:pPr marL="12700">
-              <a:lnSpc>
-                <a:spcPct val="100000"/>
-              </a:lnSpc>
-              <a:spcBef>
-                <a:spcPts val="265"/>
-              </a:spcBef>
-            </a:pPr>
-            <a:r>
-              <a:rPr spc="-10" dirty="0"/>
-              <a:t>ITVDN</a:t>
-            </a:r>
           </a:p>
         </p:txBody>
       </p:sp>
@@ -6787,6 +6429,30 @@
           </a:p>
         </p:txBody>
       </p:sp>
+      <p:pic>
+        <p:nvPicPr>
+          <p:cNvPr id="36" name="Picture 35"/>
+          <p:cNvPicPr>
+            <a:picLocks noChangeAspect="1"/>
+          </p:cNvPicPr>
+          <p:nvPr/>
+        </p:nvPicPr>
+        <p:blipFill>
+          <a:blip r:embed="rId5"/>
+          <a:stretch>
+            <a:fillRect/>
+          </a:stretch>
+        </p:blipFill>
+        <p:spPr>
+          <a:xfrm>
+            <a:off x="76200" y="6400859"/>
+            <a:ext cx="817068" cy="430764"/>
+          </a:xfrm>
+          <a:prstGeom prst="rect">
+            <a:avLst/>
+          </a:prstGeom>
+        </p:spPr>
+      </p:pic>
     </p:spTree>
     <p:extLst>
       <p:ext uri="{BB962C8B-B14F-4D97-AF65-F5344CB8AC3E}">
@@ -6882,9 +6548,9 @@
         <p:grpSpPr>
           <a:xfrm>
             <a:off x="0" y="6330644"/>
-            <a:ext cx="12192000" cy="527685"/>
+            <a:ext cx="12192000" cy="527481"/>
             <a:chOff x="0" y="6330644"/>
-            <a:chExt cx="12192000" cy="527685"/>
+            <a:chExt cx="12192000" cy="527481"/>
           </a:xfrm>
         </p:grpSpPr>
         <p:pic>
@@ -6959,106 +6625,6 @@
             </a:p>
           </p:txBody>
         </p:sp>
-        <p:sp>
-          <p:nvSpPr>
-            <p:cNvPr id="6" name="object 6"/>
-            <p:cNvSpPr/>
-            <p:nvPr/>
-          </p:nvSpPr>
-          <p:spPr>
-            <a:xfrm>
-              <a:off x="176784" y="6505955"/>
-              <a:ext cx="85725" cy="311150"/>
-            </a:xfrm>
-            <a:custGeom>
-              <a:avLst/>
-              <a:gdLst/>
-              <a:ahLst/>
-              <a:cxnLst/>
-              <a:rect l="l" t="t" r="r" b="b"/>
-              <a:pathLst>
-                <a:path w="85725" h="311150">
-                  <a:moveTo>
-                    <a:pt x="84035" y="0"/>
-                  </a:moveTo>
-                  <a:lnTo>
-                    <a:pt x="0" y="94322"/>
-                  </a:lnTo>
-                  <a:lnTo>
-                    <a:pt x="0" y="310894"/>
-                  </a:lnTo>
-                  <a:lnTo>
-                    <a:pt x="85344" y="211340"/>
-                  </a:lnTo>
-                  <a:lnTo>
-                    <a:pt x="84035" y="0"/>
-                  </a:lnTo>
-                  <a:close/>
-                </a:path>
-              </a:pathLst>
-            </a:custGeom>
-            <a:solidFill>
-              <a:srgbClr val="FFFFFF"/>
-            </a:solidFill>
-          </p:spPr>
-          <p:txBody>
-            <a:bodyPr wrap="square" lIns="0" tIns="0" rIns="0" bIns="0" rtlCol="0"/>
-            <a:lstStyle/>
-            <a:p>
-              <a:endParaRPr/>
-            </a:p>
-          </p:txBody>
-        </p:sp>
-        <p:sp>
-          <p:nvSpPr>
-            <p:cNvPr id="7" name="object 7"/>
-            <p:cNvSpPr/>
-            <p:nvPr/>
-          </p:nvSpPr>
-          <p:spPr>
-            <a:xfrm>
-              <a:off x="271272" y="6403847"/>
-              <a:ext cx="85725" cy="311150"/>
-            </a:xfrm>
-            <a:custGeom>
-              <a:avLst/>
-              <a:gdLst/>
-              <a:ahLst/>
-              <a:cxnLst/>
-              <a:rect l="l" t="t" r="r" b="b"/>
-              <a:pathLst>
-                <a:path w="85725" h="311150">
-                  <a:moveTo>
-                    <a:pt x="84035" y="0"/>
-                  </a:moveTo>
-                  <a:lnTo>
-                    <a:pt x="0" y="94322"/>
-                  </a:lnTo>
-                  <a:lnTo>
-                    <a:pt x="0" y="310895"/>
-                  </a:lnTo>
-                  <a:lnTo>
-                    <a:pt x="85343" y="211340"/>
-                  </a:lnTo>
-                  <a:lnTo>
-                    <a:pt x="84035" y="0"/>
-                  </a:lnTo>
-                  <a:close/>
-                </a:path>
-              </a:pathLst>
-            </a:custGeom>
-            <a:solidFill>
-              <a:srgbClr val="D9D9D9"/>
-            </a:solidFill>
-          </p:spPr>
-          <p:txBody>
-            <a:bodyPr wrap="square" lIns="0" tIns="0" rIns="0" bIns="0" rtlCol="0"/>
-            <a:lstStyle/>
-            <a:p>
-              <a:endParaRPr/>
-            </a:p>
-          </p:txBody>
-        </p:sp>
       </p:grpSp>
       <p:sp>
         <p:nvSpPr>
@@ -7098,42 +6664,6 @@
               <a:t>Dəyişənlər</a:t>
             </a:r>
             <a:endParaRPr sz="2400" dirty="0"/>
-          </a:p>
-        </p:txBody>
-      </p:sp>
-      <p:sp>
-        <p:nvSpPr>
-          <p:cNvPr id="19" name="object 19"/>
-          <p:cNvSpPr txBox="1">
-            <a:spLocks noGrp="1"/>
-          </p:cNvSpPr>
-          <p:nvPr>
-            <p:ph type="ftr" sz="quarter" idx="5"/>
-          </p:nvPr>
-        </p:nvSpPr>
-        <p:spPr>
-          <a:prstGeom prst="rect">
-            <a:avLst/>
-          </a:prstGeom>
-        </p:spPr>
-        <p:txBody>
-          <a:bodyPr vert="horz" wrap="square" lIns="0" tIns="33655" rIns="0" bIns="0" rtlCol="0">
-            <a:spAutoFit/>
-          </a:bodyPr>
-          <a:lstStyle/>
-          <a:p>
-            <a:pPr marL="12700">
-              <a:lnSpc>
-                <a:spcPct val="100000"/>
-              </a:lnSpc>
-              <a:spcBef>
-                <a:spcPts val="265"/>
-              </a:spcBef>
-            </a:pPr>
-            <a:r>
-              <a:rPr spc="-10" dirty="0"/>
-              <a:t>ITVDN</a:t>
-            </a:r>
           </a:p>
         </p:txBody>
       </p:sp>
@@ -9698,6 +9228,30 @@
           </a:p>
         </p:txBody>
       </p:sp>
+      <p:pic>
+        <p:nvPicPr>
+          <p:cNvPr id="35" name="Picture 34"/>
+          <p:cNvPicPr>
+            <a:picLocks noChangeAspect="1"/>
+          </p:cNvPicPr>
+          <p:nvPr/>
+        </p:nvPicPr>
+        <p:blipFill>
+          <a:blip r:embed="rId5"/>
+          <a:stretch>
+            <a:fillRect/>
+          </a:stretch>
+        </p:blipFill>
+        <p:spPr>
+          <a:xfrm>
+            <a:off x="76200" y="6400859"/>
+            <a:ext cx="817068" cy="430764"/>
+          </a:xfrm>
+          <a:prstGeom prst="rect">
+            <a:avLst/>
+          </a:prstGeom>
+        </p:spPr>
+      </p:pic>
     </p:spTree>
     <p:extLst>
       <p:ext uri="{BB962C8B-B14F-4D97-AF65-F5344CB8AC3E}">
@@ -9783,9 +9337,9 @@
         <p:grpSpPr>
           <a:xfrm>
             <a:off x="0" y="6330644"/>
-            <a:ext cx="12192000" cy="527685"/>
+            <a:ext cx="12192000" cy="527481"/>
             <a:chOff x="0" y="6330644"/>
-            <a:chExt cx="12192000" cy="527685"/>
+            <a:chExt cx="12192000" cy="527481"/>
           </a:xfrm>
         </p:grpSpPr>
         <p:pic>
@@ -9860,106 +9414,6 @@
             </a:p>
           </p:txBody>
         </p:sp>
-        <p:sp>
-          <p:nvSpPr>
-            <p:cNvPr id="6" name="object 6"/>
-            <p:cNvSpPr/>
-            <p:nvPr/>
-          </p:nvSpPr>
-          <p:spPr>
-            <a:xfrm>
-              <a:off x="176784" y="6505955"/>
-              <a:ext cx="85725" cy="311150"/>
-            </a:xfrm>
-            <a:custGeom>
-              <a:avLst/>
-              <a:gdLst/>
-              <a:ahLst/>
-              <a:cxnLst/>
-              <a:rect l="l" t="t" r="r" b="b"/>
-              <a:pathLst>
-                <a:path w="85725" h="311150">
-                  <a:moveTo>
-                    <a:pt x="84035" y="0"/>
-                  </a:moveTo>
-                  <a:lnTo>
-                    <a:pt x="0" y="94322"/>
-                  </a:lnTo>
-                  <a:lnTo>
-                    <a:pt x="0" y="310894"/>
-                  </a:lnTo>
-                  <a:lnTo>
-                    <a:pt x="85344" y="211340"/>
-                  </a:lnTo>
-                  <a:lnTo>
-                    <a:pt x="84035" y="0"/>
-                  </a:lnTo>
-                  <a:close/>
-                </a:path>
-              </a:pathLst>
-            </a:custGeom>
-            <a:solidFill>
-              <a:srgbClr val="FFFFFF"/>
-            </a:solidFill>
-          </p:spPr>
-          <p:txBody>
-            <a:bodyPr wrap="square" lIns="0" tIns="0" rIns="0" bIns="0" rtlCol="0"/>
-            <a:lstStyle/>
-            <a:p>
-              <a:endParaRPr/>
-            </a:p>
-          </p:txBody>
-        </p:sp>
-        <p:sp>
-          <p:nvSpPr>
-            <p:cNvPr id="7" name="object 7"/>
-            <p:cNvSpPr/>
-            <p:nvPr/>
-          </p:nvSpPr>
-          <p:spPr>
-            <a:xfrm>
-              <a:off x="271272" y="6403847"/>
-              <a:ext cx="85725" cy="311150"/>
-            </a:xfrm>
-            <a:custGeom>
-              <a:avLst/>
-              <a:gdLst/>
-              <a:ahLst/>
-              <a:cxnLst/>
-              <a:rect l="l" t="t" r="r" b="b"/>
-              <a:pathLst>
-                <a:path w="85725" h="311150">
-                  <a:moveTo>
-                    <a:pt x="84035" y="0"/>
-                  </a:moveTo>
-                  <a:lnTo>
-                    <a:pt x="0" y="94322"/>
-                  </a:lnTo>
-                  <a:lnTo>
-                    <a:pt x="0" y="310895"/>
-                  </a:lnTo>
-                  <a:lnTo>
-                    <a:pt x="85343" y="211340"/>
-                  </a:lnTo>
-                  <a:lnTo>
-                    <a:pt x="84035" y="0"/>
-                  </a:lnTo>
-                  <a:close/>
-                </a:path>
-              </a:pathLst>
-            </a:custGeom>
-            <a:solidFill>
-              <a:srgbClr val="D9D9D9"/>
-            </a:solidFill>
-          </p:spPr>
-          <p:txBody>
-            <a:bodyPr wrap="square" lIns="0" tIns="0" rIns="0" bIns="0" rtlCol="0"/>
-            <a:lstStyle/>
-            <a:p>
-              <a:endParaRPr/>
-            </a:p>
-          </p:txBody>
-        </p:sp>
       </p:grpSp>
       <p:sp>
         <p:nvSpPr>
@@ -9999,42 +9453,6 @@
               <a:t>Dəyişənlər</a:t>
             </a:r>
             <a:endParaRPr sz="2400" dirty="0"/>
-          </a:p>
-        </p:txBody>
-      </p:sp>
-      <p:sp>
-        <p:nvSpPr>
-          <p:cNvPr id="19" name="object 19"/>
-          <p:cNvSpPr txBox="1">
-            <a:spLocks noGrp="1"/>
-          </p:cNvSpPr>
-          <p:nvPr>
-            <p:ph type="ftr" sz="quarter" idx="5"/>
-          </p:nvPr>
-        </p:nvSpPr>
-        <p:spPr>
-          <a:prstGeom prst="rect">
-            <a:avLst/>
-          </a:prstGeom>
-        </p:spPr>
-        <p:txBody>
-          <a:bodyPr vert="horz" wrap="square" lIns="0" tIns="33655" rIns="0" bIns="0" rtlCol="0">
-            <a:spAutoFit/>
-          </a:bodyPr>
-          <a:lstStyle/>
-          <a:p>
-            <a:pPr marL="12700">
-              <a:lnSpc>
-                <a:spcPct val="100000"/>
-              </a:lnSpc>
-              <a:spcBef>
-                <a:spcPts val="265"/>
-              </a:spcBef>
-            </a:pPr>
-            <a:r>
-              <a:rPr spc="-10" dirty="0"/>
-              <a:t>ITVDN</a:t>
-            </a:r>
           </a:p>
         </p:txBody>
       </p:sp>
@@ -13354,6 +12772,30 @@
           </a:p>
         </p:txBody>
       </p:sp>
+      <p:pic>
+        <p:nvPicPr>
+          <p:cNvPr id="41" name="Picture 40"/>
+          <p:cNvPicPr>
+            <a:picLocks noChangeAspect="1"/>
+          </p:cNvPicPr>
+          <p:nvPr/>
+        </p:nvPicPr>
+        <p:blipFill>
+          <a:blip r:embed="rId5"/>
+          <a:stretch>
+            <a:fillRect/>
+          </a:stretch>
+        </p:blipFill>
+        <p:spPr>
+          <a:xfrm>
+            <a:off x="76200" y="6400859"/>
+            <a:ext cx="817068" cy="430764"/>
+          </a:xfrm>
+          <a:prstGeom prst="rect">
+            <a:avLst/>
+          </a:prstGeom>
+        </p:spPr>
+      </p:pic>
     </p:spTree>
     <p:extLst>
       <p:ext uri="{BB962C8B-B14F-4D97-AF65-F5344CB8AC3E}">
@@ -13434,9 +12876,9 @@
         <p:grpSpPr>
           <a:xfrm>
             <a:off x="0" y="6330644"/>
-            <a:ext cx="12192000" cy="527685"/>
+            <a:ext cx="12192000" cy="527481"/>
             <a:chOff x="0" y="6330644"/>
-            <a:chExt cx="12192000" cy="527685"/>
+            <a:chExt cx="12192000" cy="527481"/>
           </a:xfrm>
         </p:grpSpPr>
         <p:pic>
@@ -13511,165 +12953,7 @@
             </a:p>
           </p:txBody>
         </p:sp>
-        <p:sp>
-          <p:nvSpPr>
-            <p:cNvPr id="6" name="object 6"/>
-            <p:cNvSpPr/>
-            <p:nvPr/>
-          </p:nvSpPr>
-          <p:spPr>
-            <a:xfrm>
-              <a:off x="176784" y="6505955"/>
-              <a:ext cx="85725" cy="311150"/>
-            </a:xfrm>
-            <a:custGeom>
-              <a:avLst/>
-              <a:gdLst/>
-              <a:ahLst/>
-              <a:cxnLst/>
-              <a:rect l="l" t="t" r="r" b="b"/>
-              <a:pathLst>
-                <a:path w="85725" h="311150">
-                  <a:moveTo>
-                    <a:pt x="84035" y="0"/>
-                  </a:moveTo>
-                  <a:lnTo>
-                    <a:pt x="0" y="94322"/>
-                  </a:lnTo>
-                  <a:lnTo>
-                    <a:pt x="0" y="310894"/>
-                  </a:lnTo>
-                  <a:lnTo>
-                    <a:pt x="85344" y="211340"/>
-                  </a:lnTo>
-                  <a:lnTo>
-                    <a:pt x="84035" y="0"/>
-                  </a:lnTo>
-                  <a:close/>
-                </a:path>
-              </a:pathLst>
-            </a:custGeom>
-            <a:solidFill>
-              <a:srgbClr val="FFFFFF"/>
-            </a:solidFill>
-          </p:spPr>
-          <p:txBody>
-            <a:bodyPr wrap="square" lIns="0" tIns="0" rIns="0" bIns="0" rtlCol="0"/>
-            <a:lstStyle/>
-            <a:p>
-              <a:endParaRPr/>
-            </a:p>
-          </p:txBody>
-        </p:sp>
-        <p:sp>
-          <p:nvSpPr>
-            <p:cNvPr id="7" name="object 7"/>
-            <p:cNvSpPr/>
-            <p:nvPr/>
-          </p:nvSpPr>
-          <p:spPr>
-            <a:xfrm>
-              <a:off x="271272" y="6403847"/>
-              <a:ext cx="85725" cy="311150"/>
-            </a:xfrm>
-            <a:custGeom>
-              <a:avLst/>
-              <a:gdLst/>
-              <a:ahLst/>
-              <a:cxnLst/>
-              <a:rect l="l" t="t" r="r" b="b"/>
-              <a:pathLst>
-                <a:path w="85725" h="311150">
-                  <a:moveTo>
-                    <a:pt x="84035" y="0"/>
-                  </a:moveTo>
-                  <a:lnTo>
-                    <a:pt x="0" y="94322"/>
-                  </a:lnTo>
-                  <a:lnTo>
-                    <a:pt x="0" y="310895"/>
-                  </a:lnTo>
-                  <a:lnTo>
-                    <a:pt x="85343" y="211340"/>
-                  </a:lnTo>
-                  <a:lnTo>
-                    <a:pt x="84035" y="0"/>
-                  </a:lnTo>
-                  <a:close/>
-                </a:path>
-              </a:pathLst>
-            </a:custGeom>
-            <a:solidFill>
-              <a:srgbClr val="D9D9D9"/>
-            </a:solidFill>
-          </p:spPr>
-          <p:txBody>
-            <a:bodyPr wrap="square" lIns="0" tIns="0" rIns="0" bIns="0" rtlCol="0"/>
-            <a:lstStyle/>
-            <a:p>
-              <a:endParaRPr/>
-            </a:p>
-          </p:txBody>
-        </p:sp>
       </p:grpSp>
-      <p:pic>
-        <p:nvPicPr>
-          <p:cNvPr id="8" name="object 8"/>
-          <p:cNvPicPr/>
-          <p:nvPr/>
-        </p:nvPicPr>
-        <p:blipFill>
-          <a:blip r:embed="rId3" cstate="print"/>
-          <a:stretch>
-            <a:fillRect/>
-          </a:stretch>
-        </p:blipFill>
-        <p:spPr>
-          <a:xfrm>
-            <a:off x="4758537" y="2746585"/>
-            <a:ext cx="2513245" cy="1297851"/>
-          </a:xfrm>
-          <a:prstGeom prst="rect">
-            <a:avLst/>
-          </a:prstGeom>
-        </p:spPr>
-      </p:pic>
-      <p:sp>
-        <p:nvSpPr>
-          <p:cNvPr id="9" name="object 9"/>
-          <p:cNvSpPr txBox="1">
-            <a:spLocks noGrp="1"/>
-          </p:cNvSpPr>
-          <p:nvPr>
-            <p:ph type="ftr" sz="quarter" idx="5"/>
-          </p:nvPr>
-        </p:nvSpPr>
-        <p:spPr>
-          <a:prstGeom prst="rect">
-            <a:avLst/>
-          </a:prstGeom>
-        </p:spPr>
-        <p:txBody>
-          <a:bodyPr vert="horz" wrap="square" lIns="0" tIns="33655" rIns="0" bIns="0" rtlCol="0">
-            <a:spAutoFit/>
-          </a:bodyPr>
-          <a:lstStyle/>
-          <a:p>
-            <a:pPr marL="12700">
-              <a:lnSpc>
-                <a:spcPct val="100000"/>
-              </a:lnSpc>
-              <a:spcBef>
-                <a:spcPts val="265"/>
-              </a:spcBef>
-            </a:pPr>
-            <a:r>
-              <a:rPr spc="-10" dirty="0"/>
-              <a:t>ITVDN</a:t>
-            </a:r>
-          </a:p>
-        </p:txBody>
-      </p:sp>
       <p:sp>
         <p:nvSpPr>
           <p:cNvPr id="10" name="object 10"/>
@@ -13747,7 +13031,7 @@
                 </a:solidFill>
                 <a:latin typeface="Segoe UI Light"/>
                 <a:cs typeface="Segoe UI Light"/>
-                <a:hlinkClick r:id="rId4"/>
+                <a:hlinkClick r:id="rId3"/>
               </a:rPr>
               <a:t>http://</a:t>
             </a:r>
@@ -13768,6 +13052,30 @@
           </a:p>
         </p:txBody>
       </p:sp>
+      <p:pic>
+        <p:nvPicPr>
+          <p:cNvPr id="12" name="Picture 11"/>
+          <p:cNvPicPr>
+            <a:picLocks noChangeAspect="1"/>
+          </p:cNvPicPr>
+          <p:nvPr/>
+        </p:nvPicPr>
+        <p:blipFill>
+          <a:blip r:embed="rId4"/>
+          <a:stretch>
+            <a:fillRect/>
+          </a:stretch>
+        </p:blipFill>
+        <p:spPr>
+          <a:xfrm>
+            <a:off x="2156863" y="1352260"/>
+            <a:ext cx="7878274" cy="4153480"/>
+          </a:xfrm>
+          <a:prstGeom prst="rect">
+            <a:avLst/>
+          </a:prstGeom>
+        </p:spPr>
+      </p:pic>
     </p:spTree>
   </p:cSld>
   <p:clrMapOvr>
